--- a/ppt.pptx
+++ b/ppt.pptx
@@ -2,13 +2,13 @@
 <file path=ppt/presentation.xml><?xml version="1.0" encoding="utf-8"?>
 <p:presentation xmlns:a="http://schemas.openxmlformats.org/drawingml/2006/main" xmlns:r="http://schemas.openxmlformats.org/officeDocument/2006/relationships" xmlns:p="http://schemas.openxmlformats.org/presentationml/2006/main" saveSubsetFonts="1">
   <p:sldMasterIdLst>
-    <p:sldMasterId id="2147483672" r:id="rId1"/>
+    <p:sldMasterId id="2147483684" r:id="rId1"/>
   </p:sldMasterIdLst>
   <p:sldIdLst>
     <p:sldId id="258" r:id="rId2"/>
     <p:sldId id="259" r:id="rId3"/>
   </p:sldIdLst>
-  <p:sldSz cx="5400675" cy="7559675"/>
+  <p:sldSz cx="5327650" cy="7559675"/>
   <p:notesSz cx="6858000" cy="9144000"/>
   <p:defaultTextStyle>
     <a:defPPr>
@@ -113,7 +113,7 @@
             <a:srgbClr val="A4A3A4"/>
           </p15:clr>
         </p15:guide>
-        <p15:guide id="2" pos="1724" userDrawn="1">
+        <p15:guide id="2" pos="1701" userDrawn="1">
           <p15:clr>
             <a:srgbClr val="A4A3A4"/>
           </p15:clr>
@@ -153,15 +153,15 @@
         </p:nvSpPr>
         <p:spPr>
           <a:xfrm>
-            <a:off x="405051" y="1237197"/>
-            <a:ext cx="4590574" cy="2631887"/>
+            <a:off x="399574" y="1237197"/>
+            <a:ext cx="4528503" cy="2631887"/>
           </a:xfrm>
         </p:spPr>
         <p:txBody>
           <a:bodyPr anchor="b"/>
           <a:lstStyle>
             <a:lvl1pPr algn="ctr">
-              <a:defRPr sz="3544"/>
+              <a:defRPr sz="3496"/>
             </a:lvl1pPr>
           </a:lstStyle>
           <a:p>
@@ -185,8 +185,8 @@
         </p:nvSpPr>
         <p:spPr>
           <a:xfrm>
-            <a:off x="675085" y="3970580"/>
-            <a:ext cx="4050506" cy="1825171"/>
+            <a:off x="665956" y="3970580"/>
+            <a:ext cx="3995738" cy="1825171"/>
           </a:xfrm>
         </p:spPr>
         <p:txBody>
@@ -194,39 +194,39 @@
           <a:lstStyle>
             <a:lvl1pPr marL="0" indent="0" algn="ctr">
               <a:buNone/>
-              <a:defRPr sz="1417"/>
+              <a:defRPr sz="1398"/>
             </a:lvl1pPr>
-            <a:lvl2pPr marL="270022" indent="0" algn="ctr">
-              <a:buNone/>
-              <a:defRPr sz="1181"/>
+            <a:lvl2pPr marL="266365" indent="0" algn="ctr">
+              <a:buNone/>
+              <a:defRPr sz="1165"/>
             </a:lvl2pPr>
-            <a:lvl3pPr marL="540045" indent="0" algn="ctr">
-              <a:buNone/>
-              <a:defRPr sz="1063"/>
+            <a:lvl3pPr marL="532729" indent="0" algn="ctr">
+              <a:buNone/>
+              <a:defRPr sz="1049"/>
             </a:lvl3pPr>
-            <a:lvl4pPr marL="810067" indent="0" algn="ctr">
-              <a:buNone/>
-              <a:defRPr sz="945"/>
+            <a:lvl4pPr marL="799094" indent="0" algn="ctr">
+              <a:buNone/>
+              <a:defRPr sz="932"/>
             </a:lvl4pPr>
-            <a:lvl5pPr marL="1080089" indent="0" algn="ctr">
-              <a:buNone/>
-              <a:defRPr sz="945"/>
+            <a:lvl5pPr marL="1065459" indent="0" algn="ctr">
+              <a:buNone/>
+              <a:defRPr sz="932"/>
             </a:lvl5pPr>
-            <a:lvl6pPr marL="1350112" indent="0" algn="ctr">
-              <a:buNone/>
-              <a:defRPr sz="945"/>
+            <a:lvl6pPr marL="1331824" indent="0" algn="ctr">
+              <a:buNone/>
+              <a:defRPr sz="932"/>
             </a:lvl6pPr>
-            <a:lvl7pPr marL="1620134" indent="0" algn="ctr">
-              <a:buNone/>
-              <a:defRPr sz="945"/>
+            <a:lvl7pPr marL="1598188" indent="0" algn="ctr">
+              <a:buNone/>
+              <a:defRPr sz="932"/>
             </a:lvl7pPr>
-            <a:lvl8pPr marL="1890156" indent="0" algn="ctr">
-              <a:buNone/>
-              <a:defRPr sz="945"/>
+            <a:lvl8pPr marL="1864553" indent="0" algn="ctr">
+              <a:buNone/>
+              <a:defRPr sz="932"/>
             </a:lvl8pPr>
-            <a:lvl9pPr marL="2160179" indent="0" algn="ctr">
-              <a:buNone/>
-              <a:defRPr sz="945"/>
+            <a:lvl9pPr marL="2130918" indent="0" algn="ctr">
+              <a:buNone/>
+              <a:defRPr sz="932"/>
             </a:lvl9pPr>
           </a:lstStyle>
           <a:p>
@@ -306,7 +306,7 @@
     </p:spTree>
     <p:extLst>
       <p:ext uri="{BB962C8B-B14F-4D97-AF65-F5344CB8AC3E}">
-        <p14:creationId xmlns:p14="http://schemas.microsoft.com/office/powerpoint/2010/main" val="3348017078"/>
+        <p14:creationId xmlns:p14="http://schemas.microsoft.com/office/powerpoint/2010/main" val="1807328174"/>
       </p:ext>
     </p:extLst>
   </p:cSld>
@@ -476,7 +476,7 @@
     </p:spTree>
     <p:extLst>
       <p:ext uri="{BB962C8B-B14F-4D97-AF65-F5344CB8AC3E}">
-        <p14:creationId xmlns:p14="http://schemas.microsoft.com/office/powerpoint/2010/main" val="1578100369"/>
+        <p14:creationId xmlns:p14="http://schemas.microsoft.com/office/powerpoint/2010/main" val="1549191234"/>
       </p:ext>
     </p:extLst>
   </p:cSld>
@@ -515,8 +515,8 @@
         </p:nvSpPr>
         <p:spPr>
           <a:xfrm>
-            <a:off x="3864858" y="402483"/>
-            <a:ext cx="1164521" cy="6406475"/>
+            <a:off x="3812600" y="402483"/>
+            <a:ext cx="1148775" cy="6406475"/>
           </a:xfrm>
         </p:spPr>
         <p:txBody>
@@ -543,8 +543,8 @@
         </p:nvSpPr>
         <p:spPr>
           <a:xfrm>
-            <a:off x="371297" y="402483"/>
-            <a:ext cx="3426053" cy="6406475"/>
+            <a:off x="366276" y="402483"/>
+            <a:ext cx="3379728" cy="6406475"/>
           </a:xfrm>
         </p:spPr>
         <p:txBody>
@@ -656,7 +656,7 @@
     </p:spTree>
     <p:extLst>
       <p:ext uri="{BB962C8B-B14F-4D97-AF65-F5344CB8AC3E}">
-        <p14:creationId xmlns:p14="http://schemas.microsoft.com/office/powerpoint/2010/main" val="29994034"/>
+        <p14:creationId xmlns:p14="http://schemas.microsoft.com/office/powerpoint/2010/main" val="736389509"/>
       </p:ext>
     </p:extLst>
   </p:cSld>
@@ -826,7 +826,7 @@
     </p:spTree>
     <p:extLst>
       <p:ext uri="{BB962C8B-B14F-4D97-AF65-F5344CB8AC3E}">
-        <p14:creationId xmlns:p14="http://schemas.microsoft.com/office/powerpoint/2010/main" val="693489807"/>
+        <p14:creationId xmlns:p14="http://schemas.microsoft.com/office/powerpoint/2010/main" val="2264080018"/>
       </p:ext>
     </p:extLst>
   </p:cSld>
@@ -865,15 +865,15 @@
         </p:nvSpPr>
         <p:spPr>
           <a:xfrm>
-            <a:off x="368484" y="1884671"/>
-            <a:ext cx="4658082" cy="3144614"/>
+            <a:off x="363501" y="1884671"/>
+            <a:ext cx="4595098" cy="3144614"/>
           </a:xfrm>
         </p:spPr>
         <p:txBody>
           <a:bodyPr anchor="b"/>
           <a:lstStyle>
             <a:lvl1pPr>
-              <a:defRPr sz="3544"/>
+              <a:defRPr sz="3496"/>
             </a:lvl1pPr>
           </a:lstStyle>
           <a:p>
@@ -897,8 +897,8 @@
         </p:nvSpPr>
         <p:spPr>
           <a:xfrm>
-            <a:off x="368484" y="5059035"/>
-            <a:ext cx="4658082" cy="1653678"/>
+            <a:off x="363501" y="5059035"/>
+            <a:ext cx="4595098" cy="1653678"/>
           </a:xfrm>
         </p:spPr>
         <p:txBody>
@@ -906,15 +906,15 @@
           <a:lstStyle>
             <a:lvl1pPr marL="0" indent="0">
               <a:buNone/>
-              <a:defRPr sz="1417">
+              <a:defRPr sz="1398">
                 <a:solidFill>
                   <a:schemeClr val="tx1"/>
                 </a:solidFill>
               </a:defRPr>
             </a:lvl1pPr>
-            <a:lvl2pPr marL="270022" indent="0">
-              <a:buNone/>
-              <a:defRPr sz="1181">
+            <a:lvl2pPr marL="266365" indent="0">
+              <a:buNone/>
+              <a:defRPr sz="1165">
                 <a:solidFill>
                   <a:schemeClr val="tx1">
                     <a:tint val="75000"/>
@@ -922,9 +922,9 @@
                 </a:solidFill>
               </a:defRPr>
             </a:lvl2pPr>
-            <a:lvl3pPr marL="540045" indent="0">
-              <a:buNone/>
-              <a:defRPr sz="1063">
+            <a:lvl3pPr marL="532729" indent="0">
+              <a:buNone/>
+              <a:defRPr sz="1049">
                 <a:solidFill>
                   <a:schemeClr val="tx1">
                     <a:tint val="75000"/>
@@ -932,9 +932,9 @@
                 </a:solidFill>
               </a:defRPr>
             </a:lvl3pPr>
-            <a:lvl4pPr marL="810067" indent="0">
-              <a:buNone/>
-              <a:defRPr sz="945">
+            <a:lvl4pPr marL="799094" indent="0">
+              <a:buNone/>
+              <a:defRPr sz="932">
                 <a:solidFill>
                   <a:schemeClr val="tx1">
                     <a:tint val="75000"/>
@@ -942,9 +942,9 @@
                 </a:solidFill>
               </a:defRPr>
             </a:lvl4pPr>
-            <a:lvl5pPr marL="1080089" indent="0">
-              <a:buNone/>
-              <a:defRPr sz="945">
+            <a:lvl5pPr marL="1065459" indent="0">
+              <a:buNone/>
+              <a:defRPr sz="932">
                 <a:solidFill>
                   <a:schemeClr val="tx1">
                     <a:tint val="75000"/>
@@ -952,9 +952,9 @@
                 </a:solidFill>
               </a:defRPr>
             </a:lvl5pPr>
-            <a:lvl6pPr marL="1350112" indent="0">
-              <a:buNone/>
-              <a:defRPr sz="945">
+            <a:lvl6pPr marL="1331824" indent="0">
+              <a:buNone/>
+              <a:defRPr sz="932">
                 <a:solidFill>
                   <a:schemeClr val="tx1">
                     <a:tint val="75000"/>
@@ -962,9 +962,9 @@
                 </a:solidFill>
               </a:defRPr>
             </a:lvl6pPr>
-            <a:lvl7pPr marL="1620134" indent="0">
-              <a:buNone/>
-              <a:defRPr sz="945">
+            <a:lvl7pPr marL="1598188" indent="0">
+              <a:buNone/>
+              <a:defRPr sz="932">
                 <a:solidFill>
                   <a:schemeClr val="tx1">
                     <a:tint val="75000"/>
@@ -972,9 +972,9 @@
                 </a:solidFill>
               </a:defRPr>
             </a:lvl7pPr>
-            <a:lvl8pPr marL="1890156" indent="0">
-              <a:buNone/>
-              <a:defRPr sz="945">
+            <a:lvl8pPr marL="1864553" indent="0">
+              <a:buNone/>
+              <a:defRPr sz="932">
                 <a:solidFill>
                   <a:schemeClr val="tx1">
                     <a:tint val="75000"/>
@@ -982,9 +982,9 @@
                 </a:solidFill>
               </a:defRPr>
             </a:lvl8pPr>
-            <a:lvl9pPr marL="2160179" indent="0">
-              <a:buNone/>
-              <a:defRPr sz="945">
+            <a:lvl9pPr marL="2130918" indent="0">
+              <a:buNone/>
+              <a:defRPr sz="932">
                 <a:solidFill>
                   <a:schemeClr val="tx1">
                     <a:tint val="75000"/>
@@ -1070,7 +1070,7 @@
     </p:spTree>
     <p:extLst>
       <p:ext uri="{BB962C8B-B14F-4D97-AF65-F5344CB8AC3E}">
-        <p14:creationId xmlns:p14="http://schemas.microsoft.com/office/powerpoint/2010/main" val="3518033758"/>
+        <p14:creationId xmlns:p14="http://schemas.microsoft.com/office/powerpoint/2010/main" val="2285616842"/>
       </p:ext>
     </p:extLst>
   </p:cSld>
@@ -1132,8 +1132,8 @@
         </p:nvSpPr>
         <p:spPr>
           <a:xfrm>
-            <a:off x="371296" y="2012414"/>
-            <a:ext cx="2295287" cy="4796544"/>
+            <a:off x="366276" y="2012414"/>
+            <a:ext cx="2264251" cy="4796544"/>
           </a:xfrm>
         </p:spPr>
         <p:txBody>
@@ -1189,8 +1189,8 @@
         </p:nvSpPr>
         <p:spPr>
           <a:xfrm>
-            <a:off x="2734092" y="2012414"/>
-            <a:ext cx="2295287" cy="4796544"/>
+            <a:off x="2697123" y="2012414"/>
+            <a:ext cx="2264251" cy="4796544"/>
           </a:xfrm>
         </p:spPr>
         <p:txBody>
@@ -1302,7 +1302,7 @@
     </p:spTree>
     <p:extLst>
       <p:ext uri="{BB962C8B-B14F-4D97-AF65-F5344CB8AC3E}">
-        <p14:creationId xmlns:p14="http://schemas.microsoft.com/office/powerpoint/2010/main" val="53295007"/>
+        <p14:creationId xmlns:p14="http://schemas.microsoft.com/office/powerpoint/2010/main" val="3759597130"/>
       </p:ext>
     </p:extLst>
   </p:cSld>
@@ -1341,8 +1341,8 @@
         </p:nvSpPr>
         <p:spPr>
           <a:xfrm>
-            <a:off x="372000" y="402484"/>
-            <a:ext cx="4658082" cy="1461188"/>
+            <a:off x="366970" y="402484"/>
+            <a:ext cx="4595098" cy="1461188"/>
           </a:xfrm>
         </p:spPr>
         <p:txBody>
@@ -1369,8 +1369,8 @@
         </p:nvSpPr>
         <p:spPr>
           <a:xfrm>
-            <a:off x="372001" y="1853171"/>
-            <a:ext cx="2284738" cy="908210"/>
+            <a:off x="366971" y="1853171"/>
+            <a:ext cx="2253845" cy="908210"/>
           </a:xfrm>
         </p:spPr>
         <p:txBody>
@@ -1378,39 +1378,39 @@
           <a:lstStyle>
             <a:lvl1pPr marL="0" indent="0">
               <a:buNone/>
-              <a:defRPr sz="1417" b="1"/>
+              <a:defRPr sz="1398" b="1"/>
             </a:lvl1pPr>
-            <a:lvl2pPr marL="270022" indent="0">
-              <a:buNone/>
-              <a:defRPr sz="1181" b="1"/>
+            <a:lvl2pPr marL="266365" indent="0">
+              <a:buNone/>
+              <a:defRPr sz="1165" b="1"/>
             </a:lvl2pPr>
-            <a:lvl3pPr marL="540045" indent="0">
-              <a:buNone/>
-              <a:defRPr sz="1063" b="1"/>
+            <a:lvl3pPr marL="532729" indent="0">
+              <a:buNone/>
+              <a:defRPr sz="1049" b="1"/>
             </a:lvl3pPr>
-            <a:lvl4pPr marL="810067" indent="0">
-              <a:buNone/>
-              <a:defRPr sz="945" b="1"/>
+            <a:lvl4pPr marL="799094" indent="0">
+              <a:buNone/>
+              <a:defRPr sz="932" b="1"/>
             </a:lvl4pPr>
-            <a:lvl5pPr marL="1080089" indent="0">
-              <a:buNone/>
-              <a:defRPr sz="945" b="1"/>
+            <a:lvl5pPr marL="1065459" indent="0">
+              <a:buNone/>
+              <a:defRPr sz="932" b="1"/>
             </a:lvl5pPr>
-            <a:lvl6pPr marL="1350112" indent="0">
-              <a:buNone/>
-              <a:defRPr sz="945" b="1"/>
+            <a:lvl6pPr marL="1331824" indent="0">
+              <a:buNone/>
+              <a:defRPr sz="932" b="1"/>
             </a:lvl6pPr>
-            <a:lvl7pPr marL="1620134" indent="0">
-              <a:buNone/>
-              <a:defRPr sz="945" b="1"/>
+            <a:lvl7pPr marL="1598188" indent="0">
+              <a:buNone/>
+              <a:defRPr sz="932" b="1"/>
             </a:lvl7pPr>
-            <a:lvl8pPr marL="1890156" indent="0">
-              <a:buNone/>
-              <a:defRPr sz="945" b="1"/>
+            <a:lvl8pPr marL="1864553" indent="0">
+              <a:buNone/>
+              <a:defRPr sz="932" b="1"/>
             </a:lvl8pPr>
-            <a:lvl9pPr marL="2160179" indent="0">
-              <a:buNone/>
-              <a:defRPr sz="945" b="1"/>
+            <a:lvl9pPr marL="2130918" indent="0">
+              <a:buNone/>
+              <a:defRPr sz="932" b="1"/>
             </a:lvl9pPr>
           </a:lstStyle>
           <a:p>
@@ -1434,8 +1434,8 @@
         </p:nvSpPr>
         <p:spPr>
           <a:xfrm>
-            <a:off x="372001" y="2761381"/>
-            <a:ext cx="2284738" cy="4061576"/>
+            <a:off x="366971" y="2761381"/>
+            <a:ext cx="2253845" cy="4061576"/>
           </a:xfrm>
         </p:spPr>
         <p:txBody>
@@ -1491,8 +1491,8 @@
         </p:nvSpPr>
         <p:spPr>
           <a:xfrm>
-            <a:off x="2734092" y="1853171"/>
-            <a:ext cx="2295990" cy="908210"/>
+            <a:off x="2697123" y="1853171"/>
+            <a:ext cx="2264945" cy="908210"/>
           </a:xfrm>
         </p:spPr>
         <p:txBody>
@@ -1500,39 +1500,39 @@
           <a:lstStyle>
             <a:lvl1pPr marL="0" indent="0">
               <a:buNone/>
-              <a:defRPr sz="1417" b="1"/>
+              <a:defRPr sz="1398" b="1"/>
             </a:lvl1pPr>
-            <a:lvl2pPr marL="270022" indent="0">
-              <a:buNone/>
-              <a:defRPr sz="1181" b="1"/>
+            <a:lvl2pPr marL="266365" indent="0">
+              <a:buNone/>
+              <a:defRPr sz="1165" b="1"/>
             </a:lvl2pPr>
-            <a:lvl3pPr marL="540045" indent="0">
-              <a:buNone/>
-              <a:defRPr sz="1063" b="1"/>
+            <a:lvl3pPr marL="532729" indent="0">
+              <a:buNone/>
+              <a:defRPr sz="1049" b="1"/>
             </a:lvl3pPr>
-            <a:lvl4pPr marL="810067" indent="0">
-              <a:buNone/>
-              <a:defRPr sz="945" b="1"/>
+            <a:lvl4pPr marL="799094" indent="0">
+              <a:buNone/>
+              <a:defRPr sz="932" b="1"/>
             </a:lvl4pPr>
-            <a:lvl5pPr marL="1080089" indent="0">
-              <a:buNone/>
-              <a:defRPr sz="945" b="1"/>
+            <a:lvl5pPr marL="1065459" indent="0">
+              <a:buNone/>
+              <a:defRPr sz="932" b="1"/>
             </a:lvl5pPr>
-            <a:lvl6pPr marL="1350112" indent="0">
-              <a:buNone/>
-              <a:defRPr sz="945" b="1"/>
+            <a:lvl6pPr marL="1331824" indent="0">
+              <a:buNone/>
+              <a:defRPr sz="932" b="1"/>
             </a:lvl6pPr>
-            <a:lvl7pPr marL="1620134" indent="0">
-              <a:buNone/>
-              <a:defRPr sz="945" b="1"/>
+            <a:lvl7pPr marL="1598188" indent="0">
+              <a:buNone/>
+              <a:defRPr sz="932" b="1"/>
             </a:lvl7pPr>
-            <a:lvl8pPr marL="1890156" indent="0">
-              <a:buNone/>
-              <a:defRPr sz="945" b="1"/>
+            <a:lvl8pPr marL="1864553" indent="0">
+              <a:buNone/>
+              <a:defRPr sz="932" b="1"/>
             </a:lvl8pPr>
-            <a:lvl9pPr marL="2160179" indent="0">
-              <a:buNone/>
-              <a:defRPr sz="945" b="1"/>
+            <a:lvl9pPr marL="2130918" indent="0">
+              <a:buNone/>
+              <a:defRPr sz="932" b="1"/>
             </a:lvl9pPr>
           </a:lstStyle>
           <a:p>
@@ -1556,8 +1556,8 @@
         </p:nvSpPr>
         <p:spPr>
           <a:xfrm>
-            <a:off x="2734092" y="2761381"/>
-            <a:ext cx="2295990" cy="4061576"/>
+            <a:off x="2697123" y="2761381"/>
+            <a:ext cx="2264945" cy="4061576"/>
           </a:xfrm>
         </p:spPr>
         <p:txBody>
@@ -1669,7 +1669,7 @@
     </p:spTree>
     <p:extLst>
       <p:ext uri="{BB962C8B-B14F-4D97-AF65-F5344CB8AC3E}">
-        <p14:creationId xmlns:p14="http://schemas.microsoft.com/office/powerpoint/2010/main" val="88808137"/>
+        <p14:creationId xmlns:p14="http://schemas.microsoft.com/office/powerpoint/2010/main" val="3295207882"/>
       </p:ext>
     </p:extLst>
   </p:cSld>
@@ -1787,7 +1787,7 @@
     </p:spTree>
     <p:extLst>
       <p:ext uri="{BB962C8B-B14F-4D97-AF65-F5344CB8AC3E}">
-        <p14:creationId xmlns:p14="http://schemas.microsoft.com/office/powerpoint/2010/main" val="2272822906"/>
+        <p14:creationId xmlns:p14="http://schemas.microsoft.com/office/powerpoint/2010/main" val="1811082206"/>
       </p:ext>
     </p:extLst>
   </p:cSld>
@@ -1882,7 +1882,7 @@
     </p:spTree>
     <p:extLst>
       <p:ext uri="{BB962C8B-B14F-4D97-AF65-F5344CB8AC3E}">
-        <p14:creationId xmlns:p14="http://schemas.microsoft.com/office/powerpoint/2010/main" val="3365190262"/>
+        <p14:creationId xmlns:p14="http://schemas.microsoft.com/office/powerpoint/2010/main" val="3530757617"/>
       </p:ext>
     </p:extLst>
   </p:cSld>
@@ -1921,15 +1921,15 @@
         </p:nvSpPr>
         <p:spPr>
           <a:xfrm>
-            <a:off x="372000" y="503978"/>
-            <a:ext cx="1741858" cy="1763924"/>
+            <a:off x="366970" y="503978"/>
+            <a:ext cx="1718306" cy="1763924"/>
           </a:xfrm>
         </p:spPr>
         <p:txBody>
           <a:bodyPr anchor="b"/>
           <a:lstStyle>
             <a:lvl1pPr>
-              <a:defRPr sz="1890"/>
+              <a:defRPr sz="1864"/>
             </a:lvl1pPr>
           </a:lstStyle>
           <a:p>
@@ -1953,39 +1953,39 @@
         </p:nvSpPr>
         <p:spPr>
           <a:xfrm>
-            <a:off x="2295990" y="1088455"/>
-            <a:ext cx="2734092" cy="5372269"/>
+            <a:off x="2264945" y="1088455"/>
+            <a:ext cx="2697123" cy="5372269"/>
           </a:xfrm>
         </p:spPr>
         <p:txBody>
           <a:bodyPr/>
           <a:lstStyle>
             <a:lvl1pPr>
-              <a:defRPr sz="1890"/>
+              <a:defRPr sz="1864"/>
             </a:lvl1pPr>
             <a:lvl2pPr>
-              <a:defRPr sz="1654"/>
+              <a:defRPr sz="1631"/>
             </a:lvl2pPr>
             <a:lvl3pPr>
-              <a:defRPr sz="1417"/>
+              <a:defRPr sz="1398"/>
             </a:lvl3pPr>
             <a:lvl4pPr>
-              <a:defRPr sz="1181"/>
+              <a:defRPr sz="1165"/>
             </a:lvl4pPr>
             <a:lvl5pPr>
-              <a:defRPr sz="1181"/>
+              <a:defRPr sz="1165"/>
             </a:lvl5pPr>
             <a:lvl6pPr>
-              <a:defRPr sz="1181"/>
+              <a:defRPr sz="1165"/>
             </a:lvl6pPr>
             <a:lvl7pPr>
-              <a:defRPr sz="1181"/>
+              <a:defRPr sz="1165"/>
             </a:lvl7pPr>
             <a:lvl8pPr>
-              <a:defRPr sz="1181"/>
+              <a:defRPr sz="1165"/>
             </a:lvl8pPr>
             <a:lvl9pPr>
-              <a:defRPr sz="1181"/>
+              <a:defRPr sz="1165"/>
             </a:lvl9pPr>
           </a:lstStyle>
           <a:p>
@@ -2038,8 +2038,8 @@
         </p:nvSpPr>
         <p:spPr>
           <a:xfrm>
-            <a:off x="372000" y="2267902"/>
-            <a:ext cx="1741858" cy="4201570"/>
+            <a:off x="366970" y="2267902"/>
+            <a:ext cx="1718306" cy="4201570"/>
           </a:xfrm>
         </p:spPr>
         <p:txBody>
@@ -2047,39 +2047,39 @@
           <a:lstStyle>
             <a:lvl1pPr marL="0" indent="0">
               <a:buNone/>
-              <a:defRPr sz="945"/>
+              <a:defRPr sz="932"/>
             </a:lvl1pPr>
-            <a:lvl2pPr marL="270022" indent="0">
-              <a:buNone/>
-              <a:defRPr sz="827"/>
+            <a:lvl2pPr marL="266365" indent="0">
+              <a:buNone/>
+              <a:defRPr sz="816"/>
             </a:lvl2pPr>
-            <a:lvl3pPr marL="540045" indent="0">
-              <a:buNone/>
-              <a:defRPr sz="709"/>
+            <a:lvl3pPr marL="532729" indent="0">
+              <a:buNone/>
+              <a:defRPr sz="699"/>
             </a:lvl3pPr>
-            <a:lvl4pPr marL="810067" indent="0">
-              <a:buNone/>
-              <a:defRPr sz="591"/>
+            <a:lvl4pPr marL="799094" indent="0">
+              <a:buNone/>
+              <a:defRPr sz="583"/>
             </a:lvl4pPr>
-            <a:lvl5pPr marL="1080089" indent="0">
-              <a:buNone/>
-              <a:defRPr sz="591"/>
+            <a:lvl5pPr marL="1065459" indent="0">
+              <a:buNone/>
+              <a:defRPr sz="583"/>
             </a:lvl5pPr>
-            <a:lvl6pPr marL="1350112" indent="0">
-              <a:buNone/>
-              <a:defRPr sz="591"/>
+            <a:lvl6pPr marL="1331824" indent="0">
+              <a:buNone/>
+              <a:defRPr sz="583"/>
             </a:lvl6pPr>
-            <a:lvl7pPr marL="1620134" indent="0">
-              <a:buNone/>
-              <a:defRPr sz="591"/>
+            <a:lvl7pPr marL="1598188" indent="0">
+              <a:buNone/>
+              <a:defRPr sz="583"/>
             </a:lvl7pPr>
-            <a:lvl8pPr marL="1890156" indent="0">
-              <a:buNone/>
-              <a:defRPr sz="591"/>
+            <a:lvl8pPr marL="1864553" indent="0">
+              <a:buNone/>
+              <a:defRPr sz="583"/>
             </a:lvl8pPr>
-            <a:lvl9pPr marL="2160179" indent="0">
-              <a:buNone/>
-              <a:defRPr sz="591"/>
+            <a:lvl9pPr marL="2130918" indent="0">
+              <a:buNone/>
+              <a:defRPr sz="583"/>
             </a:lvl9pPr>
           </a:lstStyle>
           <a:p>
@@ -2159,7 +2159,7 @@
     </p:spTree>
     <p:extLst>
       <p:ext uri="{BB962C8B-B14F-4D97-AF65-F5344CB8AC3E}">
-        <p14:creationId xmlns:p14="http://schemas.microsoft.com/office/powerpoint/2010/main" val="2246765005"/>
+        <p14:creationId xmlns:p14="http://schemas.microsoft.com/office/powerpoint/2010/main" val="2138399222"/>
       </p:ext>
     </p:extLst>
   </p:cSld>
@@ -2198,15 +2198,15 @@
         </p:nvSpPr>
         <p:spPr>
           <a:xfrm>
-            <a:off x="372000" y="503978"/>
-            <a:ext cx="1741858" cy="1763924"/>
+            <a:off x="366970" y="503978"/>
+            <a:ext cx="1718306" cy="1763924"/>
           </a:xfrm>
         </p:spPr>
         <p:txBody>
           <a:bodyPr anchor="b"/>
           <a:lstStyle>
             <a:lvl1pPr>
-              <a:defRPr sz="1890"/>
+              <a:defRPr sz="1864"/>
             </a:lvl1pPr>
           </a:lstStyle>
           <a:p>
@@ -2230,8 +2230,8 @@
         </p:nvSpPr>
         <p:spPr>
           <a:xfrm>
-            <a:off x="2295990" y="1088455"/>
-            <a:ext cx="2734092" cy="5372269"/>
+            <a:off x="2264945" y="1088455"/>
+            <a:ext cx="2697123" cy="5372269"/>
           </a:xfrm>
         </p:spPr>
         <p:txBody>
@@ -2239,39 +2239,39 @@
           <a:lstStyle>
             <a:lvl1pPr marL="0" indent="0">
               <a:buNone/>
-              <a:defRPr sz="1890"/>
+              <a:defRPr sz="1864"/>
             </a:lvl1pPr>
-            <a:lvl2pPr marL="270022" indent="0">
-              <a:buNone/>
-              <a:defRPr sz="1654"/>
+            <a:lvl2pPr marL="266365" indent="0">
+              <a:buNone/>
+              <a:defRPr sz="1631"/>
             </a:lvl2pPr>
-            <a:lvl3pPr marL="540045" indent="0">
-              <a:buNone/>
-              <a:defRPr sz="1417"/>
+            <a:lvl3pPr marL="532729" indent="0">
+              <a:buNone/>
+              <a:defRPr sz="1398"/>
             </a:lvl3pPr>
-            <a:lvl4pPr marL="810067" indent="0">
-              <a:buNone/>
-              <a:defRPr sz="1181"/>
+            <a:lvl4pPr marL="799094" indent="0">
+              <a:buNone/>
+              <a:defRPr sz="1165"/>
             </a:lvl4pPr>
-            <a:lvl5pPr marL="1080089" indent="0">
-              <a:buNone/>
-              <a:defRPr sz="1181"/>
+            <a:lvl5pPr marL="1065459" indent="0">
+              <a:buNone/>
+              <a:defRPr sz="1165"/>
             </a:lvl5pPr>
-            <a:lvl6pPr marL="1350112" indent="0">
-              <a:buNone/>
-              <a:defRPr sz="1181"/>
+            <a:lvl6pPr marL="1331824" indent="0">
+              <a:buNone/>
+              <a:defRPr sz="1165"/>
             </a:lvl6pPr>
-            <a:lvl7pPr marL="1620134" indent="0">
-              <a:buNone/>
-              <a:defRPr sz="1181"/>
+            <a:lvl7pPr marL="1598188" indent="0">
+              <a:buNone/>
+              <a:defRPr sz="1165"/>
             </a:lvl7pPr>
-            <a:lvl8pPr marL="1890156" indent="0">
-              <a:buNone/>
-              <a:defRPr sz="1181"/>
+            <a:lvl8pPr marL="1864553" indent="0">
+              <a:buNone/>
+              <a:defRPr sz="1165"/>
             </a:lvl8pPr>
-            <a:lvl9pPr marL="2160179" indent="0">
-              <a:buNone/>
-              <a:defRPr sz="1181"/>
+            <a:lvl9pPr marL="2130918" indent="0">
+              <a:buNone/>
+              <a:defRPr sz="1165"/>
             </a:lvl9pPr>
           </a:lstStyle>
           <a:p>
@@ -2295,8 +2295,8 @@
         </p:nvSpPr>
         <p:spPr>
           <a:xfrm>
-            <a:off x="372000" y="2267902"/>
-            <a:ext cx="1741858" cy="4201570"/>
+            <a:off x="366970" y="2267902"/>
+            <a:ext cx="1718306" cy="4201570"/>
           </a:xfrm>
         </p:spPr>
         <p:txBody>
@@ -2304,39 +2304,39 @@
           <a:lstStyle>
             <a:lvl1pPr marL="0" indent="0">
               <a:buNone/>
-              <a:defRPr sz="945"/>
+              <a:defRPr sz="932"/>
             </a:lvl1pPr>
-            <a:lvl2pPr marL="270022" indent="0">
-              <a:buNone/>
-              <a:defRPr sz="827"/>
+            <a:lvl2pPr marL="266365" indent="0">
+              <a:buNone/>
+              <a:defRPr sz="816"/>
             </a:lvl2pPr>
-            <a:lvl3pPr marL="540045" indent="0">
-              <a:buNone/>
-              <a:defRPr sz="709"/>
+            <a:lvl3pPr marL="532729" indent="0">
+              <a:buNone/>
+              <a:defRPr sz="699"/>
             </a:lvl3pPr>
-            <a:lvl4pPr marL="810067" indent="0">
-              <a:buNone/>
-              <a:defRPr sz="591"/>
+            <a:lvl4pPr marL="799094" indent="0">
+              <a:buNone/>
+              <a:defRPr sz="583"/>
             </a:lvl4pPr>
-            <a:lvl5pPr marL="1080089" indent="0">
-              <a:buNone/>
-              <a:defRPr sz="591"/>
+            <a:lvl5pPr marL="1065459" indent="0">
+              <a:buNone/>
+              <a:defRPr sz="583"/>
             </a:lvl5pPr>
-            <a:lvl6pPr marL="1350112" indent="0">
-              <a:buNone/>
-              <a:defRPr sz="591"/>
+            <a:lvl6pPr marL="1331824" indent="0">
+              <a:buNone/>
+              <a:defRPr sz="583"/>
             </a:lvl6pPr>
-            <a:lvl7pPr marL="1620134" indent="0">
-              <a:buNone/>
-              <a:defRPr sz="591"/>
+            <a:lvl7pPr marL="1598188" indent="0">
+              <a:buNone/>
+              <a:defRPr sz="583"/>
             </a:lvl7pPr>
-            <a:lvl8pPr marL="1890156" indent="0">
-              <a:buNone/>
-              <a:defRPr sz="591"/>
+            <a:lvl8pPr marL="1864553" indent="0">
+              <a:buNone/>
+              <a:defRPr sz="583"/>
             </a:lvl8pPr>
-            <a:lvl9pPr marL="2160179" indent="0">
-              <a:buNone/>
-              <a:defRPr sz="591"/>
+            <a:lvl9pPr marL="2130918" indent="0">
+              <a:buNone/>
+              <a:defRPr sz="583"/>
             </a:lvl9pPr>
           </a:lstStyle>
           <a:p>
@@ -2416,7 +2416,7 @@
     </p:spTree>
     <p:extLst>
       <p:ext uri="{BB962C8B-B14F-4D97-AF65-F5344CB8AC3E}">
-        <p14:creationId xmlns:p14="http://schemas.microsoft.com/office/powerpoint/2010/main" val="3603887839"/>
+        <p14:creationId xmlns:p14="http://schemas.microsoft.com/office/powerpoint/2010/main" val="3242116346"/>
       </p:ext>
     </p:extLst>
   </p:cSld>
@@ -2460,8 +2460,8 @@
         </p:nvSpPr>
         <p:spPr>
           <a:xfrm>
-            <a:off x="371297" y="402484"/>
-            <a:ext cx="4658082" cy="1461188"/>
+            <a:off x="366276" y="402484"/>
+            <a:ext cx="4595098" cy="1461188"/>
           </a:xfrm>
           <a:prstGeom prst="rect">
             <a:avLst/>
@@ -2493,8 +2493,8 @@
         </p:nvSpPr>
         <p:spPr>
           <a:xfrm>
-            <a:off x="371297" y="2012414"/>
-            <a:ext cx="4658082" cy="4796544"/>
+            <a:off x="366276" y="2012414"/>
+            <a:ext cx="4595098" cy="4796544"/>
           </a:xfrm>
           <a:prstGeom prst="rect">
             <a:avLst/>
@@ -2555,8 +2555,8 @@
         </p:nvSpPr>
         <p:spPr>
           <a:xfrm>
-            <a:off x="371296" y="7006700"/>
-            <a:ext cx="1215152" cy="402483"/>
+            <a:off x="366276" y="7006700"/>
+            <a:ext cx="1198721" cy="402483"/>
           </a:xfrm>
           <a:prstGeom prst="rect">
             <a:avLst/>
@@ -2566,7 +2566,7 @@
           <a:bodyPr vert="horz" lIns="91440" tIns="45720" rIns="91440" bIns="45720" rtlCol="0" anchor="ctr"/>
           <a:lstStyle>
             <a:lvl1pPr algn="l">
-              <a:defRPr sz="709">
+              <a:defRPr sz="699">
                 <a:solidFill>
                   <a:schemeClr val="tx1">
                     <a:tint val="75000"/>
@@ -2596,8 +2596,8 @@
         </p:nvSpPr>
         <p:spPr>
           <a:xfrm>
-            <a:off x="1788974" y="7006700"/>
-            <a:ext cx="1822728" cy="402483"/>
+            <a:off x="1764784" y="7006700"/>
+            <a:ext cx="1798082" cy="402483"/>
           </a:xfrm>
           <a:prstGeom prst="rect">
             <a:avLst/>
@@ -2607,7 +2607,7 @@
           <a:bodyPr vert="horz" lIns="91440" tIns="45720" rIns="91440" bIns="45720" rtlCol="0" anchor="ctr"/>
           <a:lstStyle>
             <a:lvl1pPr algn="ctr">
-              <a:defRPr sz="709">
+              <a:defRPr sz="699">
                 <a:solidFill>
                   <a:schemeClr val="tx1">
                     <a:tint val="75000"/>
@@ -2633,8 +2633,8 @@
         </p:nvSpPr>
         <p:spPr>
           <a:xfrm>
-            <a:off x="3814227" y="7006700"/>
-            <a:ext cx="1215152" cy="402483"/>
+            <a:off x="3762653" y="7006700"/>
+            <a:ext cx="1198721" cy="402483"/>
           </a:xfrm>
           <a:prstGeom prst="rect">
             <a:avLst/>
@@ -2644,7 +2644,7 @@
           <a:bodyPr vert="horz" lIns="91440" tIns="45720" rIns="91440" bIns="45720" rtlCol="0" anchor="ctr"/>
           <a:lstStyle>
             <a:lvl1pPr algn="r">
-              <a:defRPr sz="709">
+              <a:defRPr sz="699">
                 <a:solidFill>
                   <a:schemeClr val="tx1">
                     <a:tint val="75000"/>
@@ -2665,27 +2665,27 @@
     </p:spTree>
     <p:extLst>
       <p:ext uri="{BB962C8B-B14F-4D97-AF65-F5344CB8AC3E}">
-        <p14:creationId xmlns:p14="http://schemas.microsoft.com/office/powerpoint/2010/main" val="3255022530"/>
+        <p14:creationId xmlns:p14="http://schemas.microsoft.com/office/powerpoint/2010/main" val="1305939924"/>
       </p:ext>
     </p:extLst>
   </p:cSld>
   <p:clrMap bg1="lt1" tx1="dk1" bg2="lt2" tx2="dk2" accent1="accent1" accent2="accent2" accent3="accent3" accent4="accent4" accent5="accent5" accent6="accent6" hlink="hlink" folHlink="folHlink"/>
   <p:sldLayoutIdLst>
-    <p:sldLayoutId id="2147483673" r:id="rId1"/>
-    <p:sldLayoutId id="2147483674" r:id="rId2"/>
-    <p:sldLayoutId id="2147483675" r:id="rId3"/>
-    <p:sldLayoutId id="2147483676" r:id="rId4"/>
-    <p:sldLayoutId id="2147483677" r:id="rId5"/>
-    <p:sldLayoutId id="2147483678" r:id="rId6"/>
-    <p:sldLayoutId id="2147483679" r:id="rId7"/>
-    <p:sldLayoutId id="2147483680" r:id="rId8"/>
-    <p:sldLayoutId id="2147483681" r:id="rId9"/>
-    <p:sldLayoutId id="2147483682" r:id="rId10"/>
-    <p:sldLayoutId id="2147483683" r:id="rId11"/>
+    <p:sldLayoutId id="2147483685" r:id="rId1"/>
+    <p:sldLayoutId id="2147483686" r:id="rId2"/>
+    <p:sldLayoutId id="2147483687" r:id="rId3"/>
+    <p:sldLayoutId id="2147483688" r:id="rId4"/>
+    <p:sldLayoutId id="2147483689" r:id="rId5"/>
+    <p:sldLayoutId id="2147483690" r:id="rId6"/>
+    <p:sldLayoutId id="2147483691" r:id="rId7"/>
+    <p:sldLayoutId id="2147483692" r:id="rId8"/>
+    <p:sldLayoutId id="2147483693" r:id="rId9"/>
+    <p:sldLayoutId id="2147483694" r:id="rId10"/>
+    <p:sldLayoutId id="2147483695" r:id="rId11"/>
   </p:sldLayoutIdLst>
   <p:txStyles>
     <p:titleStyle>
-      <a:lvl1pPr algn="l" defTabSz="540045" rtl="0" eaLnBrk="1" latinLnBrk="0" hangingPunct="1">
+      <a:lvl1pPr algn="l" defTabSz="532729" rtl="0" eaLnBrk="1" latinLnBrk="0" hangingPunct="1">
         <a:lnSpc>
           <a:spcPct val="90000"/>
         </a:lnSpc>
@@ -2693,7 +2693,7 @@
           <a:spcPct val="0"/>
         </a:spcBef>
         <a:buNone/>
-        <a:defRPr sz="2599" kern="1200">
+        <a:defRPr sz="2563" kern="1200">
           <a:solidFill>
             <a:schemeClr val="tx1"/>
           </a:solidFill>
@@ -2704,16 +2704,16 @@
       </a:lvl1pPr>
     </p:titleStyle>
     <p:bodyStyle>
-      <a:lvl1pPr marL="135011" indent="-135011" algn="l" defTabSz="540045" rtl="0" eaLnBrk="1" latinLnBrk="0" hangingPunct="1">
+      <a:lvl1pPr marL="133182" indent="-133182" algn="l" defTabSz="532729" rtl="0" eaLnBrk="1" latinLnBrk="0" hangingPunct="1">
         <a:lnSpc>
           <a:spcPct val="90000"/>
         </a:lnSpc>
         <a:spcBef>
-          <a:spcPts val="591"/>
+          <a:spcPts val="583"/>
         </a:spcBef>
         <a:buFont typeface="Arial" panose="020B0604020202020204" pitchFamily="34" charset="0"/>
         <a:buChar char="•"/>
-        <a:defRPr sz="1654" kern="1200">
+        <a:defRPr sz="1631" kern="1200">
           <a:solidFill>
             <a:schemeClr val="tx1"/>
           </a:solidFill>
@@ -2722,16 +2722,16 @@
           <a:cs typeface="+mn-cs"/>
         </a:defRPr>
       </a:lvl1pPr>
-      <a:lvl2pPr marL="405033" indent="-135011" algn="l" defTabSz="540045" rtl="0" eaLnBrk="1" latinLnBrk="0" hangingPunct="1">
+      <a:lvl2pPr marL="399547" indent="-133182" algn="l" defTabSz="532729" rtl="0" eaLnBrk="1" latinLnBrk="0" hangingPunct="1">
         <a:lnSpc>
           <a:spcPct val="90000"/>
         </a:lnSpc>
         <a:spcBef>
-          <a:spcPts val="295"/>
+          <a:spcPts val="291"/>
         </a:spcBef>
         <a:buFont typeface="Arial" panose="020B0604020202020204" pitchFamily="34" charset="0"/>
         <a:buChar char="•"/>
-        <a:defRPr sz="1417" kern="1200">
+        <a:defRPr sz="1398" kern="1200">
           <a:solidFill>
             <a:schemeClr val="tx1"/>
           </a:solidFill>
@@ -2740,16 +2740,16 @@
           <a:cs typeface="+mn-cs"/>
         </a:defRPr>
       </a:lvl2pPr>
-      <a:lvl3pPr marL="675056" indent="-135011" algn="l" defTabSz="540045" rtl="0" eaLnBrk="1" latinLnBrk="0" hangingPunct="1">
+      <a:lvl3pPr marL="665912" indent="-133182" algn="l" defTabSz="532729" rtl="0" eaLnBrk="1" latinLnBrk="0" hangingPunct="1">
         <a:lnSpc>
           <a:spcPct val="90000"/>
         </a:lnSpc>
         <a:spcBef>
-          <a:spcPts val="295"/>
+          <a:spcPts val="291"/>
         </a:spcBef>
         <a:buFont typeface="Arial" panose="020B0604020202020204" pitchFamily="34" charset="0"/>
         <a:buChar char="•"/>
-        <a:defRPr sz="1181" kern="1200">
+        <a:defRPr sz="1165" kern="1200">
           <a:solidFill>
             <a:schemeClr val="tx1"/>
           </a:solidFill>
@@ -2758,16 +2758,16 @@
           <a:cs typeface="+mn-cs"/>
         </a:defRPr>
       </a:lvl3pPr>
-      <a:lvl4pPr marL="945078" indent="-135011" algn="l" defTabSz="540045" rtl="0" eaLnBrk="1" latinLnBrk="0" hangingPunct="1">
+      <a:lvl4pPr marL="932277" indent="-133182" algn="l" defTabSz="532729" rtl="0" eaLnBrk="1" latinLnBrk="0" hangingPunct="1">
         <a:lnSpc>
           <a:spcPct val="90000"/>
         </a:lnSpc>
         <a:spcBef>
-          <a:spcPts val="295"/>
+          <a:spcPts val="291"/>
         </a:spcBef>
         <a:buFont typeface="Arial" panose="020B0604020202020204" pitchFamily="34" charset="0"/>
         <a:buChar char="•"/>
-        <a:defRPr sz="1063" kern="1200">
+        <a:defRPr sz="1049" kern="1200">
           <a:solidFill>
             <a:schemeClr val="tx1"/>
           </a:solidFill>
@@ -2776,16 +2776,16 @@
           <a:cs typeface="+mn-cs"/>
         </a:defRPr>
       </a:lvl4pPr>
-      <a:lvl5pPr marL="1215100" indent="-135011" algn="l" defTabSz="540045" rtl="0" eaLnBrk="1" latinLnBrk="0" hangingPunct="1">
+      <a:lvl5pPr marL="1198641" indent="-133182" algn="l" defTabSz="532729" rtl="0" eaLnBrk="1" latinLnBrk="0" hangingPunct="1">
         <a:lnSpc>
           <a:spcPct val="90000"/>
         </a:lnSpc>
         <a:spcBef>
-          <a:spcPts val="295"/>
+          <a:spcPts val="291"/>
         </a:spcBef>
         <a:buFont typeface="Arial" panose="020B0604020202020204" pitchFamily="34" charset="0"/>
         <a:buChar char="•"/>
-        <a:defRPr sz="1063" kern="1200">
+        <a:defRPr sz="1049" kern="1200">
           <a:solidFill>
             <a:schemeClr val="tx1"/>
           </a:solidFill>
@@ -2794,16 +2794,16 @@
           <a:cs typeface="+mn-cs"/>
         </a:defRPr>
       </a:lvl5pPr>
-      <a:lvl6pPr marL="1485123" indent="-135011" algn="l" defTabSz="540045" rtl="0" eaLnBrk="1" latinLnBrk="0" hangingPunct="1">
+      <a:lvl6pPr marL="1465006" indent="-133182" algn="l" defTabSz="532729" rtl="0" eaLnBrk="1" latinLnBrk="0" hangingPunct="1">
         <a:lnSpc>
           <a:spcPct val="90000"/>
         </a:lnSpc>
         <a:spcBef>
-          <a:spcPts val="295"/>
+          <a:spcPts val="291"/>
         </a:spcBef>
         <a:buFont typeface="Arial" panose="020B0604020202020204" pitchFamily="34" charset="0"/>
         <a:buChar char="•"/>
-        <a:defRPr sz="1063" kern="1200">
+        <a:defRPr sz="1049" kern="1200">
           <a:solidFill>
             <a:schemeClr val="tx1"/>
           </a:solidFill>
@@ -2812,16 +2812,16 @@
           <a:cs typeface="+mn-cs"/>
         </a:defRPr>
       </a:lvl6pPr>
-      <a:lvl7pPr marL="1755145" indent="-135011" algn="l" defTabSz="540045" rtl="0" eaLnBrk="1" latinLnBrk="0" hangingPunct="1">
+      <a:lvl7pPr marL="1731371" indent="-133182" algn="l" defTabSz="532729" rtl="0" eaLnBrk="1" latinLnBrk="0" hangingPunct="1">
         <a:lnSpc>
           <a:spcPct val="90000"/>
         </a:lnSpc>
         <a:spcBef>
-          <a:spcPts val="295"/>
+          <a:spcPts val="291"/>
         </a:spcBef>
         <a:buFont typeface="Arial" panose="020B0604020202020204" pitchFamily="34" charset="0"/>
         <a:buChar char="•"/>
-        <a:defRPr sz="1063" kern="1200">
+        <a:defRPr sz="1049" kern="1200">
           <a:solidFill>
             <a:schemeClr val="tx1"/>
           </a:solidFill>
@@ -2830,16 +2830,16 @@
           <a:cs typeface="+mn-cs"/>
         </a:defRPr>
       </a:lvl7pPr>
-      <a:lvl8pPr marL="2025167" indent="-135011" algn="l" defTabSz="540045" rtl="0" eaLnBrk="1" latinLnBrk="0" hangingPunct="1">
+      <a:lvl8pPr marL="1997735" indent="-133182" algn="l" defTabSz="532729" rtl="0" eaLnBrk="1" latinLnBrk="0" hangingPunct="1">
         <a:lnSpc>
           <a:spcPct val="90000"/>
         </a:lnSpc>
         <a:spcBef>
-          <a:spcPts val="295"/>
+          <a:spcPts val="291"/>
         </a:spcBef>
         <a:buFont typeface="Arial" panose="020B0604020202020204" pitchFamily="34" charset="0"/>
         <a:buChar char="•"/>
-        <a:defRPr sz="1063" kern="1200">
+        <a:defRPr sz="1049" kern="1200">
           <a:solidFill>
             <a:schemeClr val="tx1"/>
           </a:solidFill>
@@ -2848,16 +2848,16 @@
           <a:cs typeface="+mn-cs"/>
         </a:defRPr>
       </a:lvl8pPr>
-      <a:lvl9pPr marL="2295190" indent="-135011" algn="l" defTabSz="540045" rtl="0" eaLnBrk="1" latinLnBrk="0" hangingPunct="1">
+      <a:lvl9pPr marL="2264100" indent="-133182" algn="l" defTabSz="532729" rtl="0" eaLnBrk="1" latinLnBrk="0" hangingPunct="1">
         <a:lnSpc>
           <a:spcPct val="90000"/>
         </a:lnSpc>
         <a:spcBef>
-          <a:spcPts val="295"/>
+          <a:spcPts val="291"/>
         </a:spcBef>
         <a:buFont typeface="Arial" panose="020B0604020202020204" pitchFamily="34" charset="0"/>
         <a:buChar char="•"/>
-        <a:defRPr sz="1063" kern="1200">
+        <a:defRPr sz="1049" kern="1200">
           <a:solidFill>
             <a:schemeClr val="tx1"/>
           </a:solidFill>
@@ -2871,8 +2871,8 @@
       <a:defPPr>
         <a:defRPr lang="en-US"/>
       </a:defPPr>
-      <a:lvl1pPr marL="0" algn="l" defTabSz="540045" rtl="0" eaLnBrk="1" latinLnBrk="0" hangingPunct="1">
-        <a:defRPr sz="1063" kern="1200">
+      <a:lvl1pPr marL="0" algn="l" defTabSz="532729" rtl="0" eaLnBrk="1" latinLnBrk="0" hangingPunct="1">
+        <a:defRPr sz="1049" kern="1200">
           <a:solidFill>
             <a:schemeClr val="tx1"/>
           </a:solidFill>
@@ -2881,8 +2881,8 @@
           <a:cs typeface="+mn-cs"/>
         </a:defRPr>
       </a:lvl1pPr>
-      <a:lvl2pPr marL="270022" algn="l" defTabSz="540045" rtl="0" eaLnBrk="1" latinLnBrk="0" hangingPunct="1">
-        <a:defRPr sz="1063" kern="1200">
+      <a:lvl2pPr marL="266365" algn="l" defTabSz="532729" rtl="0" eaLnBrk="1" latinLnBrk="0" hangingPunct="1">
+        <a:defRPr sz="1049" kern="1200">
           <a:solidFill>
             <a:schemeClr val="tx1"/>
           </a:solidFill>
@@ -2891,8 +2891,8 @@
           <a:cs typeface="+mn-cs"/>
         </a:defRPr>
       </a:lvl2pPr>
-      <a:lvl3pPr marL="540045" algn="l" defTabSz="540045" rtl="0" eaLnBrk="1" latinLnBrk="0" hangingPunct="1">
-        <a:defRPr sz="1063" kern="1200">
+      <a:lvl3pPr marL="532729" algn="l" defTabSz="532729" rtl="0" eaLnBrk="1" latinLnBrk="0" hangingPunct="1">
+        <a:defRPr sz="1049" kern="1200">
           <a:solidFill>
             <a:schemeClr val="tx1"/>
           </a:solidFill>
@@ -2901,8 +2901,8 @@
           <a:cs typeface="+mn-cs"/>
         </a:defRPr>
       </a:lvl3pPr>
-      <a:lvl4pPr marL="810067" algn="l" defTabSz="540045" rtl="0" eaLnBrk="1" latinLnBrk="0" hangingPunct="1">
-        <a:defRPr sz="1063" kern="1200">
+      <a:lvl4pPr marL="799094" algn="l" defTabSz="532729" rtl="0" eaLnBrk="1" latinLnBrk="0" hangingPunct="1">
+        <a:defRPr sz="1049" kern="1200">
           <a:solidFill>
             <a:schemeClr val="tx1"/>
           </a:solidFill>
@@ -2911,8 +2911,8 @@
           <a:cs typeface="+mn-cs"/>
         </a:defRPr>
       </a:lvl4pPr>
-      <a:lvl5pPr marL="1080089" algn="l" defTabSz="540045" rtl="0" eaLnBrk="1" latinLnBrk="0" hangingPunct="1">
-        <a:defRPr sz="1063" kern="1200">
+      <a:lvl5pPr marL="1065459" algn="l" defTabSz="532729" rtl="0" eaLnBrk="1" latinLnBrk="0" hangingPunct="1">
+        <a:defRPr sz="1049" kern="1200">
           <a:solidFill>
             <a:schemeClr val="tx1"/>
           </a:solidFill>
@@ -2921,8 +2921,8 @@
           <a:cs typeface="+mn-cs"/>
         </a:defRPr>
       </a:lvl5pPr>
-      <a:lvl6pPr marL="1350112" algn="l" defTabSz="540045" rtl="0" eaLnBrk="1" latinLnBrk="0" hangingPunct="1">
-        <a:defRPr sz="1063" kern="1200">
+      <a:lvl6pPr marL="1331824" algn="l" defTabSz="532729" rtl="0" eaLnBrk="1" latinLnBrk="0" hangingPunct="1">
+        <a:defRPr sz="1049" kern="1200">
           <a:solidFill>
             <a:schemeClr val="tx1"/>
           </a:solidFill>
@@ -2931,8 +2931,8 @@
           <a:cs typeface="+mn-cs"/>
         </a:defRPr>
       </a:lvl6pPr>
-      <a:lvl7pPr marL="1620134" algn="l" defTabSz="540045" rtl="0" eaLnBrk="1" latinLnBrk="0" hangingPunct="1">
-        <a:defRPr sz="1063" kern="1200">
+      <a:lvl7pPr marL="1598188" algn="l" defTabSz="532729" rtl="0" eaLnBrk="1" latinLnBrk="0" hangingPunct="1">
+        <a:defRPr sz="1049" kern="1200">
           <a:solidFill>
             <a:schemeClr val="tx1"/>
           </a:solidFill>
@@ -2941,8 +2941,8 @@
           <a:cs typeface="+mn-cs"/>
         </a:defRPr>
       </a:lvl7pPr>
-      <a:lvl8pPr marL="1890156" algn="l" defTabSz="540045" rtl="0" eaLnBrk="1" latinLnBrk="0" hangingPunct="1">
-        <a:defRPr sz="1063" kern="1200">
+      <a:lvl8pPr marL="1864553" algn="l" defTabSz="532729" rtl="0" eaLnBrk="1" latinLnBrk="0" hangingPunct="1">
+        <a:defRPr sz="1049" kern="1200">
           <a:solidFill>
             <a:schemeClr val="tx1"/>
           </a:solidFill>
@@ -2951,8 +2951,8 @@
           <a:cs typeface="+mn-cs"/>
         </a:defRPr>
       </a:lvl8pPr>
-      <a:lvl9pPr marL="2160179" algn="l" defTabSz="540045" rtl="0" eaLnBrk="1" latinLnBrk="0" hangingPunct="1">
-        <a:defRPr sz="1063" kern="1200">
+      <a:lvl9pPr marL="2130918" algn="l" defTabSz="532729" rtl="0" eaLnBrk="1" latinLnBrk="0" hangingPunct="1">
+        <a:defRPr sz="1049" kern="1200">
           <a:solidFill>
             <a:schemeClr val="tx1"/>
           </a:solidFill>
@@ -3010,8 +3010,8 @@
         </p:blipFill>
         <p:spPr>
           <a:xfrm>
-            <a:off x="-1" y="2663170"/>
-            <a:ext cx="5400675" cy="4904972"/>
+            <a:off x="0" y="2721025"/>
+            <a:ext cx="5327650" cy="4838650"/>
           </a:xfrm>
           <a:prstGeom prst="rect">
             <a:avLst/>
@@ -3032,8 +3032,8 @@
         </p:nvSpPr>
         <p:spPr>
           <a:xfrm>
-            <a:off x="0" y="-54033"/>
-            <a:ext cx="5400675" cy="7645706"/>
+            <a:off x="0" y="0"/>
+            <a:ext cx="5327650" cy="7561869"/>
           </a:xfrm>
           <a:prstGeom prst="rect">
             <a:avLst/>
@@ -3084,7 +3084,7 @@
           <a:lstStyle/>
           <a:p>
             <a:pPr algn="ctr"/>
-            <a:endParaRPr lang="zh-CN" altLang="en-US" dirty="0"/>
+            <a:endParaRPr lang="zh-CN" altLang="en-US" sz="1776" dirty="0"/>
           </a:p>
         </p:txBody>
       </p:sp>
@@ -3102,8 +3102,8 @@
         </p:nvSpPr>
         <p:spPr>
           <a:xfrm>
-            <a:off x="388020" y="1669273"/>
-            <a:ext cx="3657600" cy="1569660"/>
+            <a:off x="382774" y="1697811"/>
+            <a:ext cx="3608144" cy="1548436"/>
           </a:xfrm>
           <a:prstGeom prst="rect">
             <a:avLst/>
@@ -3117,20 +3117,20 @@
           <a:lstStyle/>
           <a:p>
             <a:r>
-              <a:rPr lang="zh-CN" altLang="en-US" sz="4800" dirty="0">
+              <a:rPr lang="zh-CN" altLang="en-US" sz="4735" dirty="0">
                 <a:latin typeface="腾祥伯当行楷繁" panose="01010104010101010101" pitchFamily="2" charset="-122"/>
                 <a:ea typeface="腾祥伯当行楷繁" panose="01010104010101010101" pitchFamily="2" charset="-122"/>
               </a:rPr>
               <a:t>钱学森书院</a:t>
             </a:r>
-            <a:endParaRPr lang="en-US" altLang="zh-CN" sz="4800" dirty="0">
+            <a:endParaRPr lang="en-US" altLang="zh-CN" sz="4735" dirty="0">
               <a:latin typeface="腾祥伯当行楷繁" panose="01010104010101010101" pitchFamily="2" charset="-122"/>
               <a:ea typeface="腾祥伯当行楷繁" panose="01010104010101010101" pitchFamily="2" charset="-122"/>
             </a:endParaRPr>
           </a:p>
           <a:p>
             <a:r>
-              <a:rPr lang="zh-CN" altLang="en-US" sz="4800" dirty="0">
+              <a:rPr lang="zh-CN" altLang="en-US" sz="4735" dirty="0">
                 <a:latin typeface="方正吕建德字体" panose="02010600010101010101" pitchFamily="2" charset="-122"/>
                 <a:ea typeface="方正吕建德字体" panose="02010600010101010101" pitchFamily="2" charset="-122"/>
               </a:rPr>
@@ -3153,8 +3153,8 @@
         </p:nvSpPr>
         <p:spPr>
           <a:xfrm>
-            <a:off x="388020" y="3814695"/>
-            <a:ext cx="3259667" cy="400110"/>
+            <a:off x="382774" y="3814224"/>
+            <a:ext cx="3215592" cy="394700"/>
           </a:xfrm>
           <a:prstGeom prst="rect">
             <a:avLst/>
@@ -3172,7 +3172,7 @@
           <a:lstStyle/>
           <a:p>
             <a:r>
-              <a:rPr lang="zh-CN" altLang="en-US" sz="2000" dirty="0">
+              <a:rPr lang="zh-CN" altLang="en-US" sz="1973" dirty="0">
                 <a:latin typeface="方正苏新诗柳楷简体" panose="02000000000000000000" pitchFamily="2" charset="-122"/>
                 <a:ea typeface="方正苏新诗柳楷简体" panose="02000000000000000000" pitchFamily="2" charset="-122"/>
               </a:rPr>
@@ -3224,8 +3224,8 @@
         </p:blipFill>
         <p:spPr>
           <a:xfrm>
-            <a:off x="3187345" y="1542962"/>
-            <a:ext cx="4338523" cy="4359966"/>
+            <a:off x="3154669" y="1629330"/>
+            <a:ext cx="4279860" cy="4301013"/>
           </a:xfrm>
           <a:prstGeom prst="rect">
             <a:avLst/>
@@ -3260,8 +3260,8 @@
         </p:blipFill>
         <p:spPr>
           <a:xfrm>
-            <a:off x="388020" y="370354"/>
-            <a:ext cx="2700337" cy="723157"/>
+            <a:off x="382774" y="416456"/>
+            <a:ext cx="2663825" cy="713379"/>
           </a:xfrm>
           <a:prstGeom prst="rect">
             <a:avLst/>
@@ -3325,8 +3325,8 @@
         </p:blipFill>
         <p:spPr>
           <a:xfrm>
-            <a:off x="-2" y="0"/>
-            <a:ext cx="5400676" cy="7200900"/>
+            <a:off x="-1" y="0"/>
+            <a:ext cx="5327651" cy="7103533"/>
           </a:xfrm>
           <a:prstGeom prst="rect">
             <a:avLst/>
@@ -3347,8 +3347,8 @@
         </p:nvSpPr>
         <p:spPr>
           <a:xfrm rot="10800000">
-            <a:off x="0" y="-86031"/>
-            <a:ext cx="5400675" cy="7645706"/>
+            <a:off x="-2" y="17349"/>
+            <a:ext cx="5327651" cy="7542325"/>
           </a:xfrm>
           <a:prstGeom prst="rect">
             <a:avLst/>
@@ -3399,7 +3399,7 @@
           <a:lstStyle/>
           <a:p>
             <a:pPr algn="ctr"/>
-            <a:endParaRPr lang="zh-CN" altLang="en-US" dirty="0"/>
+            <a:endParaRPr lang="zh-CN" altLang="en-US" sz="1776" dirty="0"/>
           </a:p>
         </p:txBody>
       </p:sp>
@@ -3417,8 +3417,8 @@
         </p:nvSpPr>
         <p:spPr>
           <a:xfrm>
-            <a:off x="3492459" y="5434472"/>
-            <a:ext cx="1908215" cy="4250406"/>
+            <a:off x="3442775" y="5412099"/>
+            <a:ext cx="1884875" cy="4192934"/>
           </a:xfrm>
           <a:prstGeom prst="rect">
             <a:avLst/>
@@ -3432,7 +3432,7 @@
           <a:lstStyle/>
           <a:p>
             <a:r>
-              <a:rPr lang="zh-CN" altLang="en-US" sz="2800" dirty="0">
+              <a:rPr lang="zh-CN" altLang="en-US" sz="2762" dirty="0">
                 <a:solidFill>
                   <a:schemeClr val="tx1">
                     <a:lumMod val="75000"/>
@@ -3444,7 +3444,7 @@
               </a:rPr>
               <a:t>精勤求学</a:t>
             </a:r>
-            <a:endParaRPr lang="en-US" altLang="zh-CN" sz="2800" dirty="0">
+            <a:endParaRPr lang="en-US" altLang="zh-CN" sz="2762" dirty="0">
               <a:solidFill>
                 <a:schemeClr val="tx1">
                   <a:lumMod val="75000"/>
@@ -3457,7 +3457,7 @@
           </a:p>
           <a:p>
             <a:r>
-              <a:rPr lang="zh-CN" altLang="en-US" sz="2800" dirty="0">
+              <a:rPr lang="zh-CN" altLang="en-US" sz="2762" dirty="0">
                 <a:solidFill>
                   <a:schemeClr val="tx1">
                     <a:lumMod val="75000"/>
@@ -3469,7 +3469,7 @@
               </a:rPr>
               <a:t>敦笃励志</a:t>
             </a:r>
-            <a:endParaRPr lang="en-US" altLang="zh-CN" sz="2800" dirty="0">
+            <a:endParaRPr lang="en-US" altLang="zh-CN" sz="2762" dirty="0">
               <a:solidFill>
                 <a:schemeClr val="tx1">
                   <a:lumMod val="75000"/>
@@ -3482,7 +3482,7 @@
           </a:p>
           <a:p>
             <a:r>
-              <a:rPr lang="zh-CN" altLang="en-US" sz="2800" dirty="0">
+              <a:rPr lang="zh-CN" altLang="en-US" sz="2762" dirty="0">
                 <a:solidFill>
                   <a:schemeClr val="tx1">
                     <a:lumMod val="75000"/>
@@ -3494,7 +3494,7 @@
               </a:rPr>
               <a:t>果毅力行</a:t>
             </a:r>
-            <a:endParaRPr lang="en-US" altLang="zh-CN" sz="2800" dirty="0">
+            <a:endParaRPr lang="en-US" altLang="zh-CN" sz="2762" dirty="0">
               <a:solidFill>
                 <a:schemeClr val="tx1">
                   <a:lumMod val="75000"/>
@@ -3507,7 +3507,7 @@
           </a:p>
           <a:p>
             <a:r>
-              <a:rPr lang="zh-CN" altLang="en-US" sz="2800" dirty="0">
+              <a:rPr lang="zh-CN" altLang="en-US" sz="2762" dirty="0">
                 <a:solidFill>
                   <a:schemeClr val="tx1">
                     <a:lumMod val="75000"/>
@@ -3519,7 +3519,7 @@
               </a:rPr>
               <a:t>忠恕任事</a:t>
             </a:r>
-            <a:endParaRPr lang="zh-CN" altLang="en-US" sz="2400" dirty="0">
+            <a:endParaRPr lang="zh-CN" altLang="en-US" sz="2368" dirty="0">
               <a:solidFill>
                 <a:schemeClr val="tx1">
                   <a:lumMod val="75000"/>
@@ -3532,89 +3532,6 @@
           </a:p>
         </p:txBody>
       </p:sp>
-      <p:pic>
-        <p:nvPicPr>
-          <p:cNvPr id="8" name="图片 7">
-            <a:extLst>
-              <a:ext uri="{FF2B5EF4-FFF2-40B4-BE49-F238E27FC236}">
-                <a16:creationId xmlns:a16="http://schemas.microsoft.com/office/drawing/2014/main" id="{D0402F72-617B-469D-8B27-1166CD502BE9}"/>
-              </a:ext>
-            </a:extLst>
-          </p:cNvPr>
-          <p:cNvPicPr>
-            <a:picLocks noChangeAspect="1"/>
-          </p:cNvPicPr>
-          <p:nvPr/>
-        </p:nvPicPr>
-        <p:blipFill>
-          <a:blip r:embed="rId3">
-            <a:biLevel thresh="75000"/>
-            <a:extLst>
-              <a:ext uri="{BEBA8EAE-BF5A-486C-A8C5-ECC9F3942E4B}">
-                <a14:imgProps xmlns:a14="http://schemas.microsoft.com/office/drawing/2010/main">
-                  <a14:imgLayer r:embed="rId4">
-                    <a14:imgEffect>
-                      <a14:colorTemperature colorTemp="4700"/>
-                    </a14:imgEffect>
-                    <a14:imgEffect>
-                      <a14:saturation sat="0"/>
-                    </a14:imgEffect>
-                    <a14:imgEffect>
-                      <a14:brightnessContrast bright="-40000"/>
-                    </a14:imgEffect>
-                  </a14:imgLayer>
-                </a14:imgProps>
-              </a:ext>
-              <a:ext uri="{28A0092B-C50C-407E-A947-70E740481C1C}">
-                <a14:useLocalDpi xmlns:a14="http://schemas.microsoft.com/office/drawing/2010/main" val="0"/>
-              </a:ext>
-            </a:extLst>
-          </a:blip>
-          <a:srcRect/>
-          <a:stretch/>
-        </p:blipFill>
-        <p:spPr>
-          <a:xfrm>
-            <a:off x="-2111777" y="1542962"/>
-            <a:ext cx="4338523" cy="4359966"/>
-          </a:xfrm>
-          <a:prstGeom prst="rect">
-            <a:avLst/>
-          </a:prstGeom>
-        </p:spPr>
-      </p:pic>
-      <p:pic>
-        <p:nvPicPr>
-          <p:cNvPr id="10" name="图片 9">
-            <a:extLst>
-              <a:ext uri="{FF2B5EF4-FFF2-40B4-BE49-F238E27FC236}">
-                <a16:creationId xmlns:a16="http://schemas.microsoft.com/office/drawing/2014/main" id="{89956668-6440-49BD-9079-3070735BAFE5}"/>
-              </a:ext>
-            </a:extLst>
-          </p:cNvPr>
-          <p:cNvPicPr>
-            <a:picLocks noChangeAspect="1"/>
-          </p:cNvPicPr>
-          <p:nvPr/>
-        </p:nvPicPr>
-        <p:blipFill rotWithShape="1">
-          <a:blip r:embed="rId5"/>
-          <a:srcRect l="-1" r="1586" b="782"/>
-          <a:stretch/>
-        </p:blipFill>
-        <p:spPr>
-          <a:xfrm>
-            <a:off x="307102" y="6566931"/>
-            <a:ext cx="727347" cy="720000"/>
-          </a:xfrm>
-          <a:prstGeom prst="rect">
-            <a:avLst/>
-          </a:prstGeom>
-          <a:effectLst>
-            <a:softEdge rad="12700"/>
-          </a:effectLst>
-        </p:spPr>
-      </p:pic>
       <p:pic>
         <p:nvPicPr>
           <p:cNvPr id="11" name="图片 10">
@@ -3630,14 +3547,14 @@
           <p:nvPr/>
         </p:nvPicPr>
         <p:blipFill rotWithShape="1">
-          <a:blip r:embed="rId6"/>
+          <a:blip r:embed="rId3"/>
           <a:srcRect/>
           <a:stretch/>
         </p:blipFill>
         <p:spPr>
           <a:xfrm>
-            <a:off x="1116307" y="6566931"/>
-            <a:ext cx="720000" cy="720000"/>
+            <a:off x="313164" y="6529245"/>
+            <a:ext cx="710265" cy="710265"/>
           </a:xfrm>
           <a:prstGeom prst="rect">
             <a:avLst/>
@@ -3665,7 +3582,7 @@
           <p:nvPr/>
         </p:nvPicPr>
         <p:blipFill rotWithShape="1">
-          <a:blip r:embed="rId7">
+          <a:blip r:embed="rId4">
             <a:extLst>
               <a:ext uri="{28A0092B-C50C-407E-A947-70E740481C1C}">
                 <a14:useLocalDpi xmlns:a14="http://schemas.microsoft.com/office/drawing/2010/main" val="0"/>
@@ -3677,8 +3594,8 @@
         </p:blipFill>
         <p:spPr>
           <a:xfrm>
-            <a:off x="1918165" y="6566931"/>
-            <a:ext cx="716993" cy="720000"/>
+            <a:off x="1892230" y="6529245"/>
+            <a:ext cx="707298" cy="710265"/>
           </a:xfrm>
           <a:prstGeom prst="rect">
             <a:avLst/>
@@ -3686,6 +3603,95 @@
           <a:effectLst>
             <a:softEdge rad="12700"/>
           </a:effectLst>
+        </p:spPr>
+      </p:pic>
+      <p:pic>
+        <p:nvPicPr>
+          <p:cNvPr id="6" name="图片 5">
+            <a:extLst>
+              <a:ext uri="{FF2B5EF4-FFF2-40B4-BE49-F238E27FC236}">
+                <a16:creationId xmlns:a16="http://schemas.microsoft.com/office/drawing/2014/main" id="{BD650DF3-1FBE-480B-8797-6FF6988CA2EC}"/>
+              </a:ext>
+            </a:extLst>
+          </p:cNvPr>
+          <p:cNvPicPr>
+            <a:picLocks noChangeAspect="1"/>
+          </p:cNvPicPr>
+          <p:nvPr/>
+        </p:nvPicPr>
+        <p:blipFill rotWithShape="1">
+          <a:blip r:embed="rId5">
+            <a:extLst>
+              <a:ext uri="{28A0092B-C50C-407E-A947-70E740481C1C}">
+                <a14:useLocalDpi xmlns:a14="http://schemas.microsoft.com/office/drawing/2010/main" val="0"/>
+              </a:ext>
+            </a:extLst>
+          </a:blip>
+          <a:srcRect l="5494" t="6559" r="5142" b="5114"/>
+          <a:stretch/>
+        </p:blipFill>
+        <p:spPr>
+          <a:xfrm>
+            <a:off x="1098538" y="6529245"/>
+            <a:ext cx="718582" cy="710265"/>
+          </a:xfrm>
+          <a:prstGeom prst="rect">
+            <a:avLst/>
+          </a:prstGeom>
+          <a:effectLst>
+            <a:softEdge rad="12700"/>
+          </a:effectLst>
+        </p:spPr>
+      </p:pic>
+      <p:pic>
+        <p:nvPicPr>
+          <p:cNvPr id="10" name="图片 9">
+            <a:extLst>
+              <a:ext uri="{FF2B5EF4-FFF2-40B4-BE49-F238E27FC236}">
+                <a16:creationId xmlns:a16="http://schemas.microsoft.com/office/drawing/2014/main" id="{A71E42EA-5029-4C4C-8C23-D3D7F0CABC2C}"/>
+              </a:ext>
+            </a:extLst>
+          </p:cNvPr>
+          <p:cNvPicPr>
+            <a:picLocks noChangeAspect="1"/>
+          </p:cNvPicPr>
+          <p:nvPr/>
+        </p:nvPicPr>
+        <p:blipFill>
+          <a:blip r:embed="rId6">
+            <a:biLevel thresh="75000"/>
+            <a:extLst>
+              <a:ext uri="{BEBA8EAE-BF5A-486C-A8C5-ECC9F3942E4B}">
+                <a14:imgProps xmlns:a14="http://schemas.microsoft.com/office/drawing/2010/main">
+                  <a14:imgLayer r:embed="rId7">
+                    <a14:imgEffect>
+                      <a14:colorTemperature colorTemp="4700"/>
+                    </a14:imgEffect>
+                    <a14:imgEffect>
+                      <a14:saturation sat="0"/>
+                    </a14:imgEffect>
+                    <a14:imgEffect>
+                      <a14:brightnessContrast bright="-40000"/>
+                    </a14:imgEffect>
+                  </a14:imgLayer>
+                </a14:imgProps>
+              </a:ext>
+              <a:ext uri="{28A0092B-C50C-407E-A947-70E740481C1C}">
+                <a14:useLocalDpi xmlns:a14="http://schemas.microsoft.com/office/drawing/2010/main" val="0"/>
+              </a:ext>
+            </a:extLst>
+          </a:blip>
+          <a:srcRect/>
+          <a:stretch/>
+        </p:blipFill>
+        <p:spPr>
+          <a:xfrm>
+            <a:off x="-2067337" y="1629330"/>
+            <a:ext cx="4279860" cy="4301013"/>
+          </a:xfrm>
+          <a:prstGeom prst="rect">
+            <a:avLst/>
+          </a:prstGeom>
         </p:spPr>
       </p:pic>
     </p:spTree>

--- a/ppt.pptx
+++ b/ppt.pptx
@@ -255,7 +255,7 @@
           <a:p>
             <a:fld id="{A4775FAB-11E4-43AE-9877-E9205C68B905}" type="datetimeFigureOut">
               <a:rPr lang="zh-CN" altLang="en-US" smtClean="0"/>
-              <a:t>2019/7/18</a:t>
+              <a:t>2019/8/2</a:t>
             </a:fld>
             <a:endParaRPr lang="zh-CN" altLang="en-US"/>
           </a:p>
@@ -425,7 +425,7 @@
           <a:p>
             <a:fld id="{A4775FAB-11E4-43AE-9877-E9205C68B905}" type="datetimeFigureOut">
               <a:rPr lang="zh-CN" altLang="en-US" smtClean="0"/>
-              <a:t>2019/7/18</a:t>
+              <a:t>2019/8/2</a:t>
             </a:fld>
             <a:endParaRPr lang="zh-CN" altLang="en-US"/>
           </a:p>
@@ -605,7 +605,7 @@
           <a:p>
             <a:fld id="{A4775FAB-11E4-43AE-9877-E9205C68B905}" type="datetimeFigureOut">
               <a:rPr lang="zh-CN" altLang="en-US" smtClean="0"/>
-              <a:t>2019/7/18</a:t>
+              <a:t>2019/8/2</a:t>
             </a:fld>
             <a:endParaRPr lang="zh-CN" altLang="en-US"/>
           </a:p>
@@ -775,7 +775,7 @@
           <a:p>
             <a:fld id="{A4775FAB-11E4-43AE-9877-E9205C68B905}" type="datetimeFigureOut">
               <a:rPr lang="zh-CN" altLang="en-US" smtClean="0"/>
-              <a:t>2019/7/18</a:t>
+              <a:t>2019/8/2</a:t>
             </a:fld>
             <a:endParaRPr lang="zh-CN" altLang="en-US"/>
           </a:p>
@@ -1019,7 +1019,7 @@
           <a:p>
             <a:fld id="{A4775FAB-11E4-43AE-9877-E9205C68B905}" type="datetimeFigureOut">
               <a:rPr lang="zh-CN" altLang="en-US" smtClean="0"/>
-              <a:t>2019/7/18</a:t>
+              <a:t>2019/8/2</a:t>
             </a:fld>
             <a:endParaRPr lang="zh-CN" altLang="en-US"/>
           </a:p>
@@ -1251,7 +1251,7 @@
           <a:p>
             <a:fld id="{A4775FAB-11E4-43AE-9877-E9205C68B905}" type="datetimeFigureOut">
               <a:rPr lang="zh-CN" altLang="en-US" smtClean="0"/>
-              <a:t>2019/7/18</a:t>
+              <a:t>2019/8/2</a:t>
             </a:fld>
             <a:endParaRPr lang="zh-CN" altLang="en-US"/>
           </a:p>
@@ -1618,7 +1618,7 @@
           <a:p>
             <a:fld id="{A4775FAB-11E4-43AE-9877-E9205C68B905}" type="datetimeFigureOut">
               <a:rPr lang="zh-CN" altLang="en-US" smtClean="0"/>
-              <a:t>2019/7/18</a:t>
+              <a:t>2019/8/2</a:t>
             </a:fld>
             <a:endParaRPr lang="zh-CN" altLang="en-US"/>
           </a:p>
@@ -1736,7 +1736,7 @@
           <a:p>
             <a:fld id="{A4775FAB-11E4-43AE-9877-E9205C68B905}" type="datetimeFigureOut">
               <a:rPr lang="zh-CN" altLang="en-US" smtClean="0"/>
-              <a:t>2019/7/18</a:t>
+              <a:t>2019/8/2</a:t>
             </a:fld>
             <a:endParaRPr lang="zh-CN" altLang="en-US"/>
           </a:p>
@@ -1831,7 +1831,7 @@
           <a:p>
             <a:fld id="{A4775FAB-11E4-43AE-9877-E9205C68B905}" type="datetimeFigureOut">
               <a:rPr lang="zh-CN" altLang="en-US" smtClean="0"/>
-              <a:t>2019/7/18</a:t>
+              <a:t>2019/8/2</a:t>
             </a:fld>
             <a:endParaRPr lang="zh-CN" altLang="en-US"/>
           </a:p>
@@ -2108,7 +2108,7 @@
           <a:p>
             <a:fld id="{A4775FAB-11E4-43AE-9877-E9205C68B905}" type="datetimeFigureOut">
               <a:rPr lang="zh-CN" altLang="en-US" smtClean="0"/>
-              <a:t>2019/7/18</a:t>
+              <a:t>2019/8/2</a:t>
             </a:fld>
             <a:endParaRPr lang="zh-CN" altLang="en-US"/>
           </a:p>
@@ -2365,7 +2365,7 @@
           <a:p>
             <a:fld id="{A4775FAB-11E4-43AE-9877-E9205C68B905}" type="datetimeFigureOut">
               <a:rPr lang="zh-CN" altLang="en-US" smtClean="0"/>
-              <a:t>2019/7/18</a:t>
+              <a:t>2019/8/2</a:t>
             </a:fld>
             <a:endParaRPr lang="zh-CN" altLang="en-US"/>
           </a:p>
@@ -2578,7 +2578,7 @@
           <a:p>
             <a:fld id="{A4775FAB-11E4-43AE-9877-E9205C68B905}" type="datetimeFigureOut">
               <a:rPr lang="zh-CN" altLang="en-US" smtClean="0"/>
-              <a:t>2019/7/18</a:t>
+              <a:t>2019/8/2</a:t>
             </a:fld>
             <a:endParaRPr lang="zh-CN" altLang="en-US"/>
           </a:p>
@@ -3534,41 +3534,6 @@
       </p:sp>
       <p:pic>
         <p:nvPicPr>
-          <p:cNvPr id="11" name="图片 10">
-            <a:extLst>
-              <a:ext uri="{FF2B5EF4-FFF2-40B4-BE49-F238E27FC236}">
-                <a16:creationId xmlns:a16="http://schemas.microsoft.com/office/drawing/2014/main" id="{83D94676-195B-4ADA-B08D-0E4335B13BEE}"/>
-              </a:ext>
-            </a:extLst>
-          </p:cNvPr>
-          <p:cNvPicPr>
-            <a:picLocks noChangeAspect="1"/>
-          </p:cNvPicPr>
-          <p:nvPr/>
-        </p:nvPicPr>
-        <p:blipFill rotWithShape="1">
-          <a:blip r:embed="rId3"/>
-          <a:srcRect/>
-          <a:stretch/>
-        </p:blipFill>
-        <p:spPr>
-          <a:xfrm>
-            <a:off x="313164" y="6529245"/>
-            <a:ext cx="710265" cy="710265"/>
-          </a:xfrm>
-          <a:prstGeom prst="rect">
-            <a:avLst/>
-          </a:prstGeom>
-          <a:ln>
-            <a:noFill/>
-          </a:ln>
-          <a:effectLst>
-            <a:softEdge rad="12700"/>
-          </a:effectLst>
-        </p:spPr>
-      </p:pic>
-      <p:pic>
-        <p:nvPicPr>
           <p:cNvPr id="9" name="图片 8">
             <a:extLst>
               <a:ext uri="{FF2B5EF4-FFF2-40B4-BE49-F238E27FC236}">
@@ -3582,7 +3547,7 @@
           <p:nvPr/>
         </p:nvPicPr>
         <p:blipFill rotWithShape="1">
-          <a:blip r:embed="rId4">
+          <a:blip r:embed="rId3">
             <a:extLst>
               <a:ext uri="{28A0092B-C50C-407E-A947-70E740481C1C}">
                 <a14:useLocalDpi xmlns:a14="http://schemas.microsoft.com/office/drawing/2010/main" val="0"/>
@@ -3620,7 +3585,7 @@
           <p:nvPr/>
         </p:nvPicPr>
         <p:blipFill rotWithShape="1">
-          <a:blip r:embed="rId5">
+          <a:blip r:embed="rId4">
             <a:extLst>
               <a:ext uri="{28A0092B-C50C-407E-A947-70E740481C1C}">
                 <a14:useLocalDpi xmlns:a14="http://schemas.microsoft.com/office/drawing/2010/main" val="0"/>
@@ -3658,12 +3623,12 @@
           <p:nvPr/>
         </p:nvPicPr>
         <p:blipFill>
-          <a:blip r:embed="rId6">
+          <a:blip r:embed="rId5">
             <a:biLevel thresh="75000"/>
             <a:extLst>
               <a:ext uri="{BEBA8EAE-BF5A-486C-A8C5-ECC9F3942E4B}">
                 <a14:imgProps xmlns:a14="http://schemas.microsoft.com/office/drawing/2010/main">
-                  <a14:imgLayer r:embed="rId7">
+                  <a14:imgLayer r:embed="rId6">
                     <a14:imgEffect>
                       <a14:colorTemperature colorTemp="4700"/>
                     </a14:imgEffect>
@@ -3694,6 +3659,173 @@
           </a:prstGeom>
         </p:spPr>
       </p:pic>
+      <p:pic>
+        <p:nvPicPr>
+          <p:cNvPr id="7" name="图片 6">
+            <a:extLst>
+              <a:ext uri="{FF2B5EF4-FFF2-40B4-BE49-F238E27FC236}">
+                <a16:creationId xmlns:a16="http://schemas.microsoft.com/office/drawing/2014/main" id="{71ACDC74-AEE8-4CA1-8B52-0CA6524CA9C2}"/>
+              </a:ext>
+            </a:extLst>
+          </p:cNvPr>
+          <p:cNvPicPr>
+            <a:picLocks noChangeAspect="1"/>
+          </p:cNvPicPr>
+          <p:nvPr/>
+        </p:nvPicPr>
+        <p:blipFill rotWithShape="1">
+          <a:blip r:embed="rId7">
+            <a:extLst>
+              <a:ext uri="{28A0092B-C50C-407E-A947-70E740481C1C}">
+                <a14:useLocalDpi xmlns:a14="http://schemas.microsoft.com/office/drawing/2010/main" val="0"/>
+              </a:ext>
+            </a:extLst>
+          </a:blip>
+          <a:srcRect l="6273" t="6353" r="6708" b="6628"/>
+          <a:stretch/>
+        </p:blipFill>
+        <p:spPr>
+          <a:xfrm>
+            <a:off x="332730" y="6539028"/>
+            <a:ext cx="690698" cy="690698"/>
+          </a:xfrm>
+          <a:prstGeom prst="rect">
+            <a:avLst/>
+          </a:prstGeom>
+          <a:effectLst>
+            <a:softEdge rad="12700"/>
+          </a:effectLst>
+        </p:spPr>
+      </p:pic>
+      <p:sp>
+        <p:nvSpPr>
+          <p:cNvPr id="8" name="文本框 7">
+            <a:extLst>
+              <a:ext uri="{FF2B5EF4-FFF2-40B4-BE49-F238E27FC236}">
+                <a16:creationId xmlns:a16="http://schemas.microsoft.com/office/drawing/2014/main" id="{12958DD9-B7D1-484E-8D69-2A97AE05B5A8}"/>
+              </a:ext>
+            </a:extLst>
+          </p:cNvPr>
+          <p:cNvSpPr txBox="1"/>
+          <p:nvPr/>
+        </p:nvSpPr>
+        <p:spPr>
+          <a:xfrm>
+            <a:off x="274427" y="7256859"/>
+            <a:ext cx="824111" cy="184666"/>
+          </a:xfrm>
+          <a:prstGeom prst="rect">
+            <a:avLst/>
+          </a:prstGeom>
+          <a:noFill/>
+        </p:spPr>
+        <p:txBody>
+          <a:bodyPr wrap="square" rtlCol="0">
+            <a:spAutoFit/>
+          </a:bodyPr>
+          <a:lstStyle/>
+          <a:p>
+            <a:r>
+              <a:rPr lang="zh-CN" altLang="en-US" sz="600" dirty="0">
+                <a:latin typeface=".萍方-简" panose="020B0800000000000000" pitchFamily="34" charset="-122"/>
+                <a:ea typeface=".萍方-简" panose="020B0800000000000000" pitchFamily="34" charset="-122"/>
+              </a:rPr>
+              <a:t>钱院学生会公众号</a:t>
+            </a:r>
+          </a:p>
+        </p:txBody>
+      </p:sp>
+      <p:sp>
+        <p:nvSpPr>
+          <p:cNvPr id="12" name="文本框 11">
+            <a:extLst>
+              <a:ext uri="{FF2B5EF4-FFF2-40B4-BE49-F238E27FC236}">
+                <a16:creationId xmlns:a16="http://schemas.microsoft.com/office/drawing/2014/main" id="{E789FDD3-0221-475F-90D9-371494EC7C89}"/>
+              </a:ext>
+            </a:extLst>
+          </p:cNvPr>
+          <p:cNvSpPr txBox="1"/>
+          <p:nvPr/>
+        </p:nvSpPr>
+        <p:spPr>
+          <a:xfrm>
+            <a:off x="965136" y="7257785"/>
+            <a:ext cx="1058893" cy="184666"/>
+          </a:xfrm>
+          <a:prstGeom prst="rect">
+            <a:avLst/>
+          </a:prstGeom>
+          <a:noFill/>
+        </p:spPr>
+        <p:txBody>
+          <a:bodyPr wrap="square" rtlCol="0">
+            <a:spAutoFit/>
+          </a:bodyPr>
+          <a:lstStyle/>
+          <a:p>
+            <a:r>
+              <a:rPr lang="zh-CN" altLang="en-US" sz="600" dirty="0">
+                <a:latin typeface=".萍方-简" panose="020B0800000000000000" pitchFamily="34" charset="-122"/>
+                <a:ea typeface=".萍方-简" panose="020B0800000000000000" pitchFamily="34" charset="-122"/>
+              </a:rPr>
+              <a:t>钱学森学（书）院公众号</a:t>
+            </a:r>
+          </a:p>
+        </p:txBody>
+      </p:sp>
+      <p:sp>
+        <p:nvSpPr>
+          <p:cNvPr id="13" name="文本框 12">
+            <a:extLst>
+              <a:ext uri="{FF2B5EF4-FFF2-40B4-BE49-F238E27FC236}">
+                <a16:creationId xmlns:a16="http://schemas.microsoft.com/office/drawing/2014/main" id="{BAE8796B-3C79-4AF5-B594-3CC13AF6FD7E}"/>
+              </a:ext>
+            </a:extLst>
+          </p:cNvPr>
+          <p:cNvSpPr txBox="1"/>
+          <p:nvPr/>
+        </p:nvSpPr>
+        <p:spPr>
+          <a:xfrm>
+            <a:off x="1826576" y="7256859"/>
+            <a:ext cx="824111" cy="184666"/>
+          </a:xfrm>
+          <a:prstGeom prst="rect">
+            <a:avLst/>
+          </a:prstGeom>
+          <a:noFill/>
+        </p:spPr>
+        <p:txBody>
+          <a:bodyPr wrap="square" rtlCol="0">
+            <a:spAutoFit/>
+          </a:bodyPr>
+          <a:lstStyle/>
+          <a:p>
+            <a:pPr algn="ctr"/>
+            <a:r>
+              <a:rPr lang="zh-CN" altLang="en-US" sz="600" dirty="0">
+                <a:latin typeface=".萍方-简" panose="020B0800000000000000" pitchFamily="34" charset="-122"/>
+                <a:ea typeface=".萍方-简" panose="020B0800000000000000" pitchFamily="34" charset="-122"/>
+              </a:rPr>
+              <a:t>新生</a:t>
+            </a:r>
+            <a:r>
+              <a:rPr lang="en-US" altLang="zh-CN" sz="600" dirty="0">
+                <a:latin typeface=".萍方-简" panose="020B0800000000000000" pitchFamily="34" charset="-122"/>
+                <a:ea typeface=".萍方-简" panose="020B0800000000000000" pitchFamily="34" charset="-122"/>
+              </a:rPr>
+              <a:t>QQ</a:t>
+            </a:r>
+            <a:r>
+              <a:rPr lang="zh-CN" altLang="en-US" sz="600" dirty="0">
+                <a:latin typeface=".萍方-简" panose="020B0800000000000000" pitchFamily="34" charset="-122"/>
+                <a:ea typeface=".萍方-简" panose="020B0800000000000000" pitchFamily="34" charset="-122"/>
+              </a:rPr>
+              <a:t>群</a:t>
+            </a:r>
+          </a:p>
+        </p:txBody>
+      </p:sp>
     </p:spTree>
     <p:extLst>
       <p:ext uri="{BB962C8B-B14F-4D97-AF65-F5344CB8AC3E}">

--- a/ppt.pptx
+++ b/ppt.pptx
@@ -3153,8 +3153,8 @@
         </p:nvSpPr>
         <p:spPr>
           <a:xfrm>
-            <a:off x="382774" y="3814224"/>
-            <a:ext cx="3215592" cy="394700"/>
+            <a:off x="382774" y="3814223"/>
+            <a:ext cx="2538226" cy="699550"/>
           </a:xfrm>
           <a:prstGeom prst="rect">
             <a:avLst/>
@@ -3176,7 +3176,7 @@
                 <a:latin typeface="方正苏新诗柳楷简体" panose="02000000000000000000" pitchFamily="2" charset="-122"/>
                 <a:ea typeface="方正苏新诗柳楷简体" panose="02000000000000000000" pitchFamily="2" charset="-122"/>
               </a:rPr>
-              <a:t>编写：钱院学辅</a:t>
+              <a:t>编写：钱学森书院  学生会学业辅导中心</a:t>
             </a:r>
           </a:p>
         </p:txBody>
